--- a/ppts/CIP-R1.pptx
+++ b/ppts/CIP-R1.pptx
@@ -10917,7 +10917,7 @@
         </p:nvSpPr>
         <p:spPr>
           <a:xfrm flipH="false" flipV="false" rot="-1266137">
-            <a:off x="-2605384" y="6590661"/>
+            <a:off x="-2605384" y="5996448"/>
             <a:ext cx="5210769" cy="6721137"/>
           </a:xfrm>
           <a:custGeom>
@@ -11073,7 +11073,7 @@
         </p:nvSpPr>
         <p:spPr>
           <a:xfrm rot="0">
-            <a:off x="3234100" y="4610535"/>
+            <a:off x="3234100" y="4016322"/>
             <a:ext cx="4368875" cy="455295"/>
           </a:xfrm>
           <a:prstGeom prst="rect">
@@ -11114,7 +11114,7 @@
         </p:nvSpPr>
         <p:spPr>
           <a:xfrm rot="0">
-            <a:off x="3225535" y="5512871"/>
+            <a:off x="3225535" y="4918659"/>
             <a:ext cx="3777199" cy="400050"/>
           </a:xfrm>
           <a:prstGeom prst="rect">
@@ -11155,7 +11155,7 @@
         </p:nvSpPr>
         <p:spPr>
           <a:xfrm rot="0">
-            <a:off x="3225535" y="6360596"/>
+            <a:off x="3225535" y="5766384"/>
             <a:ext cx="3777199" cy="400050"/>
           </a:xfrm>
           <a:prstGeom prst="rect">
@@ -11196,7 +11196,7 @@
         </p:nvSpPr>
         <p:spPr>
           <a:xfrm rot="0">
-            <a:off x="3225535" y="7157521"/>
+            <a:off x="3225535" y="6563309"/>
             <a:ext cx="3777199" cy="400050"/>
           </a:xfrm>
           <a:prstGeom prst="rect">
@@ -11237,7 +11237,7 @@
         </p:nvSpPr>
         <p:spPr>
           <a:xfrm rot="0">
-            <a:off x="3160782" y="7951271"/>
+            <a:off x="3160782" y="7357059"/>
             <a:ext cx="4515511" cy="400050"/>
           </a:xfrm>
           <a:prstGeom prst="rect">
@@ -11278,7 +11278,7 @@
         </p:nvSpPr>
         <p:spPr>
           <a:xfrm rot="0">
-            <a:off x="2239006" y="4667685"/>
+            <a:off x="2239006" y="4073472"/>
             <a:ext cx="848458" cy="469900"/>
           </a:xfrm>
           <a:prstGeom prst="rect">
@@ -11319,7 +11319,7 @@
         </p:nvSpPr>
         <p:spPr>
           <a:xfrm rot="0">
-            <a:off x="2239006" y="5514141"/>
+            <a:off x="2239006" y="4919928"/>
             <a:ext cx="848458" cy="469900"/>
           </a:xfrm>
           <a:prstGeom prst="rect">
@@ -11360,7 +11360,7 @@
         </p:nvSpPr>
         <p:spPr>
           <a:xfrm rot="0">
-            <a:off x="2191381" y="6360596"/>
+            <a:off x="2191381" y="5766384"/>
             <a:ext cx="848458" cy="469900"/>
           </a:xfrm>
           <a:prstGeom prst="rect">
@@ -11401,7 +11401,7 @@
         </p:nvSpPr>
         <p:spPr>
           <a:xfrm rot="0">
-            <a:off x="2239006" y="7157521"/>
+            <a:off x="2239006" y="6563309"/>
             <a:ext cx="848458" cy="469900"/>
           </a:xfrm>
           <a:prstGeom prst="rect">
@@ -11442,7 +11442,7 @@
         </p:nvSpPr>
         <p:spPr>
           <a:xfrm rot="0">
-            <a:off x="2191381" y="7951271"/>
+            <a:off x="2191381" y="7357059"/>
             <a:ext cx="848458" cy="469900"/>
           </a:xfrm>
           <a:prstGeom prst="rect">
@@ -11483,7 +11483,7 @@
         </p:nvSpPr>
         <p:spPr>
           <a:xfrm rot="0">
-            <a:off x="9280203" y="4673600"/>
+            <a:off x="2239006" y="8188909"/>
             <a:ext cx="848458" cy="469900"/>
           </a:xfrm>
           <a:prstGeom prst="rect">
@@ -11524,7 +11524,7 @@
         </p:nvSpPr>
         <p:spPr>
           <a:xfrm rot="0">
-            <a:off x="10323856" y="6360596"/>
+            <a:off x="10683337" y="4855158"/>
             <a:ext cx="4515511" cy="400050"/>
           </a:xfrm>
           <a:prstGeom prst="rect">
@@ -11565,7 +11565,7 @@
         </p:nvSpPr>
         <p:spPr>
           <a:xfrm rot="0">
-            <a:off x="10323856" y="7998896"/>
+            <a:off x="10683337" y="8282846"/>
             <a:ext cx="4515511" cy="400050"/>
           </a:xfrm>
           <a:prstGeom prst="rect">
@@ -11606,8 +11606,8 @@
         </p:nvSpPr>
         <p:spPr>
           <a:xfrm rot="0">
-            <a:off x="10323856" y="4708525"/>
-            <a:ext cx="7102484" cy="400050"/>
+            <a:off x="3282660" y="8223834"/>
+            <a:ext cx="5676373" cy="781050"/>
           </a:xfrm>
           <a:prstGeom prst="rect">
             <a:avLst/>
@@ -11647,7 +11647,7 @@
         </p:nvSpPr>
         <p:spPr>
           <a:xfrm rot="0">
-            <a:off x="9280203" y="5514141"/>
+            <a:off x="9639683" y="4008703"/>
             <a:ext cx="848458" cy="469900"/>
           </a:xfrm>
           <a:prstGeom prst="rect">
@@ -11688,7 +11688,7 @@
         </p:nvSpPr>
         <p:spPr>
           <a:xfrm rot="0">
-            <a:off x="9280203" y="6325671"/>
+            <a:off x="9639683" y="4820233"/>
             <a:ext cx="848458" cy="469900"/>
           </a:xfrm>
           <a:prstGeom prst="rect">
@@ -11729,7 +11729,7 @@
         </p:nvSpPr>
         <p:spPr>
           <a:xfrm rot="0">
-            <a:off x="9280203" y="7157521"/>
+            <a:off x="9639683" y="5652083"/>
             <a:ext cx="848458" cy="469900"/>
           </a:xfrm>
           <a:prstGeom prst="rect">
@@ -11770,7 +11770,7 @@
         </p:nvSpPr>
         <p:spPr>
           <a:xfrm rot="0">
-            <a:off x="10323856" y="7141646"/>
+            <a:off x="10683337" y="5721934"/>
             <a:ext cx="4515511" cy="400050"/>
           </a:xfrm>
           <a:prstGeom prst="rect">
@@ -11855,7 +11855,7 @@
         </p:nvSpPr>
         <p:spPr>
           <a:xfrm rot="0">
-            <a:off x="9280203" y="7998896"/>
+            <a:off x="9639683" y="6493459"/>
             <a:ext cx="848458" cy="469900"/>
           </a:xfrm>
           <a:prstGeom prst="rect">
@@ -11896,7 +11896,7 @@
         </p:nvSpPr>
         <p:spPr>
           <a:xfrm rot="0">
-            <a:off x="10323856" y="5583991"/>
+            <a:off x="10683337" y="4078553"/>
             <a:ext cx="4515511" cy="400050"/>
           </a:xfrm>
           <a:prstGeom prst="rect">
@@ -11952,6 +11952,170 @@
             <a:tailEnd type="triangle" len="med" w="lg"/>
           </a:ln>
         </p:spPr>
+      </p:sp>
+      <p:sp>
+        <p:nvSpPr>
+          <p:cNvPr name="TextBox 29" id="29"/>
+          <p:cNvSpPr txBox="true"/>
+          <p:nvPr/>
+        </p:nvSpPr>
+        <p:spPr>
+          <a:xfrm rot="0">
+            <a:off x="9639683" y="7357059"/>
+            <a:ext cx="848458" cy="469900"/>
+          </a:xfrm>
+          <a:prstGeom prst="rect">
+            <a:avLst/>
+          </a:prstGeom>
+        </p:spPr>
+        <p:txBody>
+          <a:bodyPr anchor="t" rtlCol="false" tIns="0" lIns="0" bIns="0" rIns="0">
+            <a:spAutoFit/>
+          </a:bodyPr>
+          <a:lstStyle/>
+          <a:p>
+            <a:pPr algn="ctr">
+              <a:lnSpc>
+                <a:spcPts val="3500"/>
+              </a:lnSpc>
+            </a:pPr>
+            <a:r>
+              <a:rPr lang="en-US" sz="3500">
+                <a:solidFill>
+                  <a:srgbClr val="000000"/>
+                </a:solidFill>
+                <a:latin typeface="Yeseva One"/>
+                <a:ea typeface="Yeseva One"/>
+                <a:cs typeface="Yeseva One"/>
+                <a:sym typeface="Yeseva One"/>
+              </a:rPr>
+              <a:t>11</a:t>
+            </a:r>
+          </a:p>
+        </p:txBody>
+      </p:sp>
+      <p:sp>
+        <p:nvSpPr>
+          <p:cNvPr name="TextBox 30" id="30"/>
+          <p:cNvSpPr txBox="true"/>
+          <p:nvPr/>
+        </p:nvSpPr>
+        <p:spPr>
+          <a:xfrm rot="0">
+            <a:off x="9639683" y="8220659"/>
+            <a:ext cx="848458" cy="469900"/>
+          </a:xfrm>
+          <a:prstGeom prst="rect">
+            <a:avLst/>
+          </a:prstGeom>
+        </p:spPr>
+        <p:txBody>
+          <a:bodyPr anchor="t" rtlCol="false" tIns="0" lIns="0" bIns="0" rIns="0">
+            <a:spAutoFit/>
+          </a:bodyPr>
+          <a:lstStyle/>
+          <a:p>
+            <a:pPr algn="ctr">
+              <a:lnSpc>
+                <a:spcPts val="3500"/>
+              </a:lnSpc>
+            </a:pPr>
+            <a:r>
+              <a:rPr lang="en-US" sz="3500">
+                <a:solidFill>
+                  <a:srgbClr val="000000"/>
+                </a:solidFill>
+                <a:latin typeface="Yeseva One"/>
+                <a:ea typeface="Yeseva One"/>
+                <a:cs typeface="Yeseva One"/>
+                <a:sym typeface="Yeseva One"/>
+              </a:rPr>
+              <a:t>12</a:t>
+            </a:r>
+          </a:p>
+        </p:txBody>
+      </p:sp>
+      <p:sp>
+        <p:nvSpPr>
+          <p:cNvPr name="TextBox 31" id="31"/>
+          <p:cNvSpPr txBox="true"/>
+          <p:nvPr/>
+        </p:nvSpPr>
+        <p:spPr>
+          <a:xfrm rot="0">
+            <a:off x="10683337" y="6528384"/>
+            <a:ext cx="4515511" cy="400050"/>
+          </a:xfrm>
+          <a:prstGeom prst="rect">
+            <a:avLst/>
+          </a:prstGeom>
+        </p:spPr>
+        <p:txBody>
+          <a:bodyPr anchor="t" rtlCol="false" tIns="0" lIns="0" bIns="0" rIns="0">
+            <a:spAutoFit/>
+          </a:bodyPr>
+          <a:lstStyle/>
+          <a:p>
+            <a:pPr algn="l">
+              <a:lnSpc>
+                <a:spcPts val="3000"/>
+              </a:lnSpc>
+            </a:pPr>
+            <a:r>
+              <a:rPr lang="en-US" sz="3000">
+                <a:solidFill>
+                  <a:srgbClr val="000000"/>
+                </a:solidFill>
+                <a:latin typeface="Libre Baskerville"/>
+                <a:ea typeface="Libre Baskerville"/>
+                <a:cs typeface="Libre Baskerville"/>
+                <a:sym typeface="Libre Baskerville"/>
+              </a:rPr>
+              <a:t>Implementation plan</a:t>
+            </a:r>
+          </a:p>
+        </p:txBody>
+      </p:sp>
+      <p:sp>
+        <p:nvSpPr>
+          <p:cNvPr name="TextBox 32" id="32"/>
+          <p:cNvSpPr txBox="true"/>
+          <p:nvPr/>
+        </p:nvSpPr>
+        <p:spPr>
+          <a:xfrm rot="0">
+            <a:off x="10683337" y="7426909"/>
+            <a:ext cx="4515511" cy="400050"/>
+          </a:xfrm>
+          <a:prstGeom prst="rect">
+            <a:avLst/>
+          </a:prstGeom>
+        </p:spPr>
+        <p:txBody>
+          <a:bodyPr anchor="t" rtlCol="false" tIns="0" lIns="0" bIns="0" rIns="0">
+            <a:spAutoFit/>
+          </a:bodyPr>
+          <a:lstStyle/>
+          <a:p>
+            <a:pPr algn="l">
+              <a:lnSpc>
+                <a:spcPts val="3000"/>
+              </a:lnSpc>
+            </a:pPr>
+            <a:r>
+              <a:rPr lang="en-US" sz="3000">
+                <a:solidFill>
+                  <a:srgbClr val="000000"/>
+                </a:solidFill>
+                <a:latin typeface="Libre Baskerville"/>
+                <a:ea typeface="Libre Baskerville"/>
+                <a:cs typeface="Libre Baskerville"/>
+                <a:sym typeface="Libre Baskerville"/>
+              </a:rPr>
+              <a:t>Tools and libraries</a:t>
+            </a:r>
+          </a:p>
+        </p:txBody>
       </p:sp>
     </p:spTree>
   </p:cSld>
